--- a/papers/Presentations/WACAI18/graphs-Exp2.pptx
+++ b/papers/Presentations/WACAI18/graphs-Exp2.pptx
@@ -603,7 +603,17 @@
   <c:chart>
     <c:autoTitleDeleted val="1"/>
     <c:plotArea>
-      <c:layout/>
+      <c:layout>
+        <c:manualLayout>
+          <c:layoutTarget val="inner"/>
+          <c:xMode val="edge"/>
+          <c:yMode val="edge"/>
+          <c:x val="6.0592741863536609E-2"/>
+          <c:y val="4.0141794002235394E-2"/>
+          <c:w val="0.93940725813646342"/>
+          <c:h val="0.77587521273388593"/>
+        </c:manualLayout>
+      </c:layout>
       <c:barChart>
         <c:barDir val="col"/>
         <c:grouping val="clustered"/>
@@ -755,7 +765,7 @@
           </c:tx>
           <c:spPr>
             <a:solidFill>
-              <a:srgbClr val="92D050"/>
+              <a:schemeClr val="accent4"/>
             </a:solidFill>
             <a:ln>
               <a:noFill/>
@@ -909,7 +919,7 @@
           <a:lstStyle/>
           <a:p>
             <a:pPr>
-              <a:defRPr sz="2000" b="1" i="0" u="none" strike="noStrike" kern="1200" baseline="0">
+              <a:defRPr sz="2800" b="1" i="0" u="none" strike="noStrike" kern="1200" baseline="0">
                 <a:solidFill>
                   <a:schemeClr val="tx1">
                     <a:lumMod val="65000"/>
@@ -955,7 +965,7 @@
           <a:lstStyle/>
           <a:p>
             <a:pPr>
-              <a:defRPr sz="2000" b="0" i="0" u="none" strike="noStrike" kern="1200" baseline="0">
+              <a:defRPr sz="3200" b="0" i="0" u="none" strike="noStrike" kern="1200" baseline="0">
                 <a:solidFill>
                   <a:schemeClr val="tx1">
                     <a:lumMod val="65000"/>
@@ -985,6 +995,16 @@
     </c:plotArea>
     <c:legend>
       <c:legendPos val="b"/>
+      <c:layout>
+        <c:manualLayout>
+          <c:xMode val="edge"/>
+          <c:yMode val="edge"/>
+          <c:x val="0.36305493762806396"/>
+          <c:y val="0.91014372911409669"/>
+          <c:w val="0.25076715460381976"/>
+          <c:h val="8.9856270885903297E-2"/>
+        </c:manualLayout>
+      </c:layout>
       <c:overlay val="0"/>
       <c:spPr>
         <a:noFill/>
@@ -998,7 +1018,7 @@
         <a:lstStyle/>
         <a:p>
           <a:pPr>
-            <a:defRPr lang="fr-FR" sz="2000" b="0" i="0" u="none" strike="noStrike" kern="1200" baseline="0">
+            <a:defRPr lang="fr-FR" sz="2800" b="0" i="0" u="none" strike="noStrike" kern="1200" baseline="0">
               <a:solidFill>
                 <a:schemeClr val="tx1">
                   <a:lumMod val="65000"/>
@@ -2421,7 +2441,7 @@
           <a:p>
             <a:fld id="{98C2B5CA-5730-4F6B-802C-2C80990D1648}" type="datetimeFigureOut">
               <a:rPr lang="fr-FR" smtClean="0"/>
-              <a:t>03/06/2018</a:t>
+              <a:t>02/07/2018</a:t>
             </a:fld>
             <a:endParaRPr lang="fr-FR"/>
           </a:p>
@@ -2619,7 +2639,7 @@
           <a:p>
             <a:fld id="{98C2B5CA-5730-4F6B-802C-2C80990D1648}" type="datetimeFigureOut">
               <a:rPr lang="fr-FR" smtClean="0"/>
-              <a:t>03/06/2018</a:t>
+              <a:t>02/07/2018</a:t>
             </a:fld>
             <a:endParaRPr lang="fr-FR"/>
           </a:p>
@@ -2827,7 +2847,7 @@
           <a:p>
             <a:fld id="{98C2B5CA-5730-4F6B-802C-2C80990D1648}" type="datetimeFigureOut">
               <a:rPr lang="fr-FR" smtClean="0"/>
-              <a:t>03/06/2018</a:t>
+              <a:t>02/07/2018</a:t>
             </a:fld>
             <a:endParaRPr lang="fr-FR"/>
           </a:p>
@@ -3025,7 +3045,7 @@
           <a:p>
             <a:fld id="{98C2B5CA-5730-4F6B-802C-2C80990D1648}" type="datetimeFigureOut">
               <a:rPr lang="fr-FR" smtClean="0"/>
-              <a:t>03/06/2018</a:t>
+              <a:t>02/07/2018</a:t>
             </a:fld>
             <a:endParaRPr lang="fr-FR"/>
           </a:p>
@@ -3300,7 +3320,7 @@
           <a:p>
             <a:fld id="{98C2B5CA-5730-4F6B-802C-2C80990D1648}" type="datetimeFigureOut">
               <a:rPr lang="fr-FR" smtClean="0"/>
-              <a:t>03/06/2018</a:t>
+              <a:t>02/07/2018</a:t>
             </a:fld>
             <a:endParaRPr lang="fr-FR"/>
           </a:p>
@@ -3565,7 +3585,7 @@
           <a:p>
             <a:fld id="{98C2B5CA-5730-4F6B-802C-2C80990D1648}" type="datetimeFigureOut">
               <a:rPr lang="fr-FR" smtClean="0"/>
-              <a:t>03/06/2018</a:t>
+              <a:t>02/07/2018</a:t>
             </a:fld>
             <a:endParaRPr lang="fr-FR"/>
           </a:p>
@@ -3977,7 +3997,7 @@
           <a:p>
             <a:fld id="{98C2B5CA-5730-4F6B-802C-2C80990D1648}" type="datetimeFigureOut">
               <a:rPr lang="fr-FR" smtClean="0"/>
-              <a:t>03/06/2018</a:t>
+              <a:t>02/07/2018</a:t>
             </a:fld>
             <a:endParaRPr lang="fr-FR"/>
           </a:p>
@@ -4118,7 +4138,7 @@
           <a:p>
             <a:fld id="{98C2B5CA-5730-4F6B-802C-2C80990D1648}" type="datetimeFigureOut">
               <a:rPr lang="fr-FR" smtClean="0"/>
-              <a:t>03/06/2018</a:t>
+              <a:t>02/07/2018</a:t>
             </a:fld>
             <a:endParaRPr lang="fr-FR"/>
           </a:p>
@@ -4231,7 +4251,7 @@
           <a:p>
             <a:fld id="{98C2B5CA-5730-4F6B-802C-2C80990D1648}" type="datetimeFigureOut">
               <a:rPr lang="fr-FR" smtClean="0"/>
-              <a:t>03/06/2018</a:t>
+              <a:t>02/07/2018</a:t>
             </a:fld>
             <a:endParaRPr lang="fr-FR"/>
           </a:p>
@@ -4542,7 +4562,7 @@
           <a:p>
             <a:fld id="{98C2B5CA-5730-4F6B-802C-2C80990D1648}" type="datetimeFigureOut">
               <a:rPr lang="fr-FR" smtClean="0"/>
-              <a:t>03/06/2018</a:t>
+              <a:t>02/07/2018</a:t>
             </a:fld>
             <a:endParaRPr lang="fr-FR"/>
           </a:p>
@@ -4830,7 +4850,7 @@
           <a:p>
             <a:fld id="{98C2B5CA-5730-4F6B-802C-2C80990D1648}" type="datetimeFigureOut">
               <a:rPr lang="fr-FR" smtClean="0"/>
-              <a:t>03/06/2018</a:t>
+              <a:t>02/07/2018</a:t>
             </a:fld>
             <a:endParaRPr lang="fr-FR"/>
           </a:p>
@@ -5071,7 +5091,7 @@
           <a:p>
             <a:fld id="{98C2B5CA-5730-4F6B-802C-2C80990D1648}" type="datetimeFigureOut">
               <a:rPr lang="fr-FR" smtClean="0"/>
-              <a:t>03/06/2018</a:t>
+              <a:t>02/07/2018</a:t>
             </a:fld>
             <a:endParaRPr lang="fr-FR"/>
           </a:p>
@@ -6280,42 +6300,12 @@
           <a:chExt cx="0" cy="0"/>
         </a:xfrm>
       </p:grpSpPr>
-      <p:graphicFrame>
-        <p:nvGraphicFramePr>
-          <p:cNvPr id="4" name="Graphique 3">
+      <p:grpSp>
+        <p:nvGrpSpPr>
+          <p:cNvPr id="2" name="Groupe 1">
             <a:extLst>
               <a:ext uri="{FF2B5EF4-FFF2-40B4-BE49-F238E27FC236}">
-                <a16:creationId xmlns:a16="http://schemas.microsoft.com/office/drawing/2014/main" id="{3BCA1CF2-890F-451D-BEED-EDFAD7730FE4}"/>
-              </a:ext>
-            </a:extLst>
-          </p:cNvPr>
-          <p:cNvGraphicFramePr>
-            <a:graphicFrameLocks/>
-          </p:cNvGraphicFramePr>
-          <p:nvPr>
-            <p:extLst>
-              <p:ext uri="{D42A27DB-BD31-4B8C-83A1-F6EECF244321}">
-                <p14:modId xmlns:p14="http://schemas.microsoft.com/office/powerpoint/2010/main" val="2823316097"/>
-              </p:ext>
-            </p:extLst>
-          </p:nvPr>
-        </p:nvGraphicFramePr>
-        <p:xfrm>
-          <a:off x="818777" y="926354"/>
-          <a:ext cx="10984748" cy="5630592"/>
-        </p:xfrm>
-        <a:graphic>
-          <a:graphicData uri="http://schemas.openxmlformats.org/drawingml/2006/chart">
-            <c:chart xmlns:c="http://schemas.openxmlformats.org/drawingml/2006/chart" xmlns:r="http://schemas.openxmlformats.org/officeDocument/2006/relationships" r:id="rId2"/>
-          </a:graphicData>
-        </a:graphic>
-      </p:graphicFrame>
-      <p:grpSp>
-        <p:nvGrpSpPr>
-          <p:cNvPr id="28" name="Groupe 27">
-            <a:extLst>
-              <a:ext uri="{FF2B5EF4-FFF2-40B4-BE49-F238E27FC236}">
-                <a16:creationId xmlns:a16="http://schemas.microsoft.com/office/drawing/2014/main" id="{5F1FBD9C-F245-4FE1-A0BF-B556AAFE397F}"/>
+                <a16:creationId xmlns:a16="http://schemas.microsoft.com/office/drawing/2014/main" id="{BAFE56E0-F008-438B-9196-E1C6EE200A40}"/>
               </a:ext>
             </a:extLst>
           </p:cNvPr>
@@ -6324,18 +6314,48 @@
         </p:nvGrpSpPr>
         <p:grpSpPr>
           <a:xfrm>
-            <a:off x="2168693" y="679588"/>
-            <a:ext cx="1979865" cy="471059"/>
-            <a:chOff x="2598523" y="1270933"/>
-            <a:chExt cx="1677957" cy="471059"/>
+            <a:off x="376518" y="-10523"/>
+            <a:ext cx="11618258" cy="6653215"/>
+            <a:chOff x="376518" y="-10523"/>
+            <a:chExt cx="11618258" cy="6653215"/>
           </a:xfrm>
         </p:grpSpPr>
+        <p:graphicFrame>
+          <p:nvGraphicFramePr>
+            <p:cNvPr id="4" name="Graphique 3">
+              <a:extLst>
+                <a:ext uri="{FF2B5EF4-FFF2-40B4-BE49-F238E27FC236}">
+                  <a16:creationId xmlns:a16="http://schemas.microsoft.com/office/drawing/2014/main" id="{3BCA1CF2-890F-451D-BEED-EDFAD7730FE4}"/>
+                </a:ext>
+              </a:extLst>
+            </p:cNvPr>
+            <p:cNvGraphicFramePr>
+              <a:graphicFrameLocks/>
+            </p:cNvGraphicFramePr>
+            <p:nvPr>
+              <p:extLst>
+                <p:ext uri="{D42A27DB-BD31-4B8C-83A1-F6EECF244321}">
+                  <p14:modId xmlns:p14="http://schemas.microsoft.com/office/powerpoint/2010/main" val="1281331094"/>
+                </p:ext>
+              </p:extLst>
+            </p:nvPr>
+          </p:nvGraphicFramePr>
+          <p:xfrm>
+            <a:off x="830734" y="463023"/>
+            <a:ext cx="10984748" cy="6179669"/>
+          </p:xfrm>
+          <a:graphic>
+            <a:graphicData uri="http://schemas.openxmlformats.org/drawingml/2006/chart">
+              <c:chart xmlns:c="http://schemas.openxmlformats.org/drawingml/2006/chart" xmlns:r="http://schemas.openxmlformats.org/officeDocument/2006/relationships" r:id="rId2"/>
+            </a:graphicData>
+          </a:graphic>
+        </p:graphicFrame>
         <p:grpSp>
           <p:nvGrpSpPr>
-            <p:cNvPr id="5" name="Groupe 4">
+            <p:cNvPr id="28" name="Groupe 27">
               <a:extLst>
                 <a:ext uri="{FF2B5EF4-FFF2-40B4-BE49-F238E27FC236}">
-                  <a16:creationId xmlns:a16="http://schemas.microsoft.com/office/drawing/2014/main" id="{1623BCBA-3AB6-4EC8-92E1-827AE75D249F}"/>
+                  <a16:creationId xmlns:a16="http://schemas.microsoft.com/office/drawing/2014/main" id="{5F1FBD9C-F245-4FE1-A0BF-B556AAFE397F}"/>
                 </a:ext>
               </a:extLst>
             </p:cNvPr>
@@ -6344,208 +6364,208 @@
           </p:nvGrpSpPr>
           <p:grpSpPr>
             <a:xfrm>
-              <a:off x="2598523" y="1614673"/>
-              <a:ext cx="1063796" cy="127319"/>
-              <a:chOff x="7824486" y="3443468"/>
-              <a:chExt cx="1660966" cy="500697"/>
+              <a:off x="2149710" y="61180"/>
+              <a:ext cx="1881801" cy="610659"/>
+              <a:chOff x="2546968" y="1131333"/>
+              <a:chExt cx="1594847" cy="610659"/>
             </a:xfrm>
           </p:grpSpPr>
-          <p:cxnSp>
-            <p:nvCxnSpPr>
-              <p:cNvPr id="6" name="Connecteur droit 5">
+          <p:grpSp>
+            <p:nvGrpSpPr>
+              <p:cNvPr id="5" name="Groupe 4">
                 <a:extLst>
                   <a:ext uri="{FF2B5EF4-FFF2-40B4-BE49-F238E27FC236}">
-                    <a16:creationId xmlns:a16="http://schemas.microsoft.com/office/drawing/2014/main" id="{88DDD0DF-5F16-49E9-B99A-397D65416568}"/>
+                    <a16:creationId xmlns:a16="http://schemas.microsoft.com/office/drawing/2014/main" id="{1623BCBA-3AB6-4EC8-92E1-827AE75D249F}"/>
                   </a:ext>
                 </a:extLst>
               </p:cNvPr>
-              <p:cNvCxnSpPr>
-                <a:cxnSpLocks/>
-              </p:cNvCxnSpPr>
+              <p:cNvGrpSpPr/>
               <p:nvPr/>
-            </p:nvCxnSpPr>
-            <p:spPr>
-              <a:xfrm flipV="1">
-                <a:off x="7824486" y="3443468"/>
-                <a:ext cx="0" cy="500697"/>
+            </p:nvGrpSpPr>
+            <p:grpSpPr>
+              <a:xfrm>
+                <a:off x="2598523" y="1614673"/>
+                <a:ext cx="1063796" cy="127319"/>
+                <a:chOff x="7824486" y="3443468"/>
+                <a:chExt cx="1660966" cy="500697"/>
               </a:xfrm>
-              <a:prstGeom prst="line">
-                <a:avLst/>
-              </a:prstGeom>
-              <a:ln w="19050">
-                <a:solidFill>
+            </p:grpSpPr>
+            <p:cxnSp>
+              <p:nvCxnSpPr>
+                <p:cNvPr id="6" name="Connecteur droit 5">
+                  <a:extLst>
+                    <a:ext uri="{FF2B5EF4-FFF2-40B4-BE49-F238E27FC236}">
+                      <a16:creationId xmlns:a16="http://schemas.microsoft.com/office/drawing/2014/main" id="{88DDD0DF-5F16-49E9-B99A-397D65416568}"/>
+                    </a:ext>
+                  </a:extLst>
+                </p:cNvPr>
+                <p:cNvCxnSpPr>
+                  <a:cxnSpLocks/>
+                </p:cNvCxnSpPr>
+                <p:nvPr/>
+              </p:nvCxnSpPr>
+              <p:spPr>
+                <a:xfrm flipV="1">
+                  <a:off x="7824486" y="3443468"/>
+                  <a:ext cx="0" cy="500697"/>
+                </a:xfrm>
+                <a:prstGeom prst="line">
+                  <a:avLst/>
+                </a:prstGeom>
+                <a:ln w="19050">
+                  <a:solidFill>
+                    <a:schemeClr val="tx1"/>
+                  </a:solidFill>
+                </a:ln>
+              </p:spPr>
+              <p:style>
+                <a:lnRef idx="1">
+                  <a:schemeClr val="accent1"/>
+                </a:lnRef>
+                <a:fillRef idx="0">
+                  <a:schemeClr val="accent1"/>
+                </a:fillRef>
+                <a:effectRef idx="0">
+                  <a:schemeClr val="accent1"/>
+                </a:effectRef>
+                <a:fontRef idx="minor">
                   <a:schemeClr val="tx1"/>
-                </a:solidFill>
-              </a:ln>
-            </p:spPr>
-            <p:style>
-              <a:lnRef idx="1">
-                <a:schemeClr val="accent1"/>
-              </a:lnRef>
-              <a:fillRef idx="0">
-                <a:schemeClr val="accent1"/>
-              </a:fillRef>
-              <a:effectRef idx="0">
-                <a:schemeClr val="accent1"/>
-              </a:effectRef>
-              <a:fontRef idx="minor">
-                <a:schemeClr val="tx1"/>
-              </a:fontRef>
-            </p:style>
-          </p:cxnSp>
-          <p:cxnSp>
-            <p:nvCxnSpPr>
-              <p:cNvPr id="7" name="Connecteur droit 6">
+                </a:fontRef>
+              </p:style>
+            </p:cxnSp>
+            <p:cxnSp>
+              <p:nvCxnSpPr>
+                <p:cNvPr id="7" name="Connecteur droit 6">
+                  <a:extLst>
+                    <a:ext uri="{FF2B5EF4-FFF2-40B4-BE49-F238E27FC236}">
+                      <a16:creationId xmlns:a16="http://schemas.microsoft.com/office/drawing/2014/main" id="{BAAC471A-9283-41D9-AF83-65CC3908408E}"/>
+                    </a:ext>
+                  </a:extLst>
+                </p:cNvPr>
+                <p:cNvCxnSpPr>
+                  <a:cxnSpLocks/>
+                </p:cNvCxnSpPr>
+                <p:nvPr/>
+              </p:nvCxnSpPr>
+              <p:spPr>
+                <a:xfrm>
+                  <a:off x="7824486" y="3449254"/>
+                  <a:ext cx="1660966" cy="5880"/>
+                </a:xfrm>
+                <a:prstGeom prst="line">
+                  <a:avLst/>
+                </a:prstGeom>
+                <a:ln w="19050">
+                  <a:solidFill>
+                    <a:schemeClr val="tx1"/>
+                  </a:solidFill>
+                </a:ln>
+              </p:spPr>
+              <p:style>
+                <a:lnRef idx="1">
+                  <a:schemeClr val="accent1"/>
+                </a:lnRef>
+                <a:fillRef idx="0">
+                  <a:schemeClr val="accent1"/>
+                </a:fillRef>
+                <a:effectRef idx="0">
+                  <a:schemeClr val="accent1"/>
+                </a:effectRef>
+                <a:fontRef idx="minor">
+                  <a:schemeClr val="tx1"/>
+                </a:fontRef>
+              </p:style>
+            </p:cxnSp>
+            <p:cxnSp>
+              <p:nvCxnSpPr>
+                <p:cNvPr id="8" name="Connecteur droit 7">
+                  <a:extLst>
+                    <a:ext uri="{FF2B5EF4-FFF2-40B4-BE49-F238E27FC236}">
+                      <a16:creationId xmlns:a16="http://schemas.microsoft.com/office/drawing/2014/main" id="{FE6E65BA-DEB9-4578-B4A9-7DC58589C4E6}"/>
+                    </a:ext>
+                  </a:extLst>
+                </p:cNvPr>
+                <p:cNvCxnSpPr>
+                  <a:cxnSpLocks/>
+                </p:cNvCxnSpPr>
+                <p:nvPr/>
+              </p:nvCxnSpPr>
+              <p:spPr>
+                <a:xfrm>
+                  <a:off x="9482558" y="3452194"/>
+                  <a:ext cx="0" cy="491971"/>
+                </a:xfrm>
+                <a:prstGeom prst="line">
+                  <a:avLst/>
+                </a:prstGeom>
+                <a:ln w="19050">
+                  <a:solidFill>
+                    <a:schemeClr val="tx1"/>
+                  </a:solidFill>
+                </a:ln>
+              </p:spPr>
+              <p:style>
+                <a:lnRef idx="1">
+                  <a:schemeClr val="accent1"/>
+                </a:lnRef>
+                <a:fillRef idx="0">
+                  <a:schemeClr val="accent1"/>
+                </a:fillRef>
+                <a:effectRef idx="0">
+                  <a:schemeClr val="accent1"/>
+                </a:effectRef>
+                <a:fontRef idx="minor">
+                  <a:schemeClr val="tx1"/>
+                </a:fontRef>
+              </p:style>
+            </p:cxnSp>
+          </p:grpSp>
+          <p:sp>
+            <p:nvSpPr>
+              <p:cNvPr id="21" name="ZoneTexte 20">
                 <a:extLst>
                   <a:ext uri="{FF2B5EF4-FFF2-40B4-BE49-F238E27FC236}">
-                    <a16:creationId xmlns:a16="http://schemas.microsoft.com/office/drawing/2014/main" id="{BAAC471A-9283-41D9-AF83-65CC3908408E}"/>
+                    <a16:creationId xmlns:a16="http://schemas.microsoft.com/office/drawing/2014/main" id="{EFD05245-AFB2-4F76-B2F8-A955C9B0D190}"/>
                   </a:ext>
                 </a:extLst>
               </p:cNvPr>
-              <p:cNvCxnSpPr>
-                <a:cxnSpLocks/>
-              </p:cNvCxnSpPr>
+              <p:cNvSpPr txBox="1"/>
               <p:nvPr/>
-            </p:nvCxnSpPr>
+            </p:nvSpPr>
             <p:spPr>
               <a:xfrm>
-                <a:off x="7824486" y="3449254"/>
-                <a:ext cx="1660966" cy="5880"/>
+                <a:off x="2546968" y="1131333"/>
+                <a:ext cx="1594847" cy="523220"/>
               </a:xfrm>
-              <a:prstGeom prst="line">
+              <a:prstGeom prst="rect">
                 <a:avLst/>
               </a:prstGeom>
-              <a:ln w="19050">
-                <a:solidFill>
-                  <a:schemeClr val="tx1"/>
-                </a:solidFill>
-              </a:ln>
+              <a:noFill/>
             </p:spPr>
-            <p:style>
-              <a:lnRef idx="1">
-                <a:schemeClr val="accent1"/>
-              </a:lnRef>
-              <a:fillRef idx="0">
-                <a:schemeClr val="accent1"/>
-              </a:fillRef>
-              <a:effectRef idx="0">
-                <a:schemeClr val="accent1"/>
-              </a:effectRef>
-              <a:fontRef idx="minor">
-                <a:schemeClr val="tx1"/>
-              </a:fontRef>
-            </p:style>
-          </p:cxnSp>
-          <p:cxnSp>
-            <p:nvCxnSpPr>
-              <p:cNvPr id="8" name="Connecteur droit 7">
-                <a:extLst>
-                  <a:ext uri="{FF2B5EF4-FFF2-40B4-BE49-F238E27FC236}">
-                    <a16:creationId xmlns:a16="http://schemas.microsoft.com/office/drawing/2014/main" id="{FE6E65BA-DEB9-4578-B4A9-7DC58589C4E6}"/>
-                  </a:ext>
-                </a:extLst>
-              </p:cNvPr>
-              <p:cNvCxnSpPr>
-                <a:cxnSpLocks/>
-              </p:cNvCxnSpPr>
-              <p:nvPr/>
-            </p:nvCxnSpPr>
-            <p:spPr>
-              <a:xfrm>
-                <a:off x="9482558" y="3452194"/>
-                <a:ext cx="0" cy="491971"/>
-              </a:xfrm>
-              <a:prstGeom prst="line">
-                <a:avLst/>
-              </a:prstGeom>
-              <a:ln w="19050">
-                <a:solidFill>
-                  <a:schemeClr val="tx1"/>
-                </a:solidFill>
-              </a:ln>
-            </p:spPr>
-            <p:style>
-              <a:lnRef idx="1">
-                <a:schemeClr val="accent1"/>
-              </a:lnRef>
-              <a:fillRef idx="0">
-                <a:schemeClr val="accent1"/>
-              </a:fillRef>
-              <a:effectRef idx="0">
-                <a:schemeClr val="accent1"/>
-              </a:effectRef>
-              <a:fontRef idx="minor">
-                <a:schemeClr val="tx1"/>
-              </a:fontRef>
-            </p:style>
-          </p:cxnSp>
+            <p:txBody>
+              <a:bodyPr wrap="square" rtlCol="0">
+                <a:spAutoFit/>
+              </a:bodyPr>
+              <a:lstStyle/>
+              <a:p>
+                <a:r>
+                  <a:rPr lang="fr-FR" sz="2800" i="1" dirty="0"/>
+                  <a:t>P =</a:t>
+                </a:r>
+                <a:r>
+                  <a:rPr lang="fr-FR" sz="2800" dirty="0"/>
+                  <a:t>0.001 </a:t>
+                </a:r>
+              </a:p>
+            </p:txBody>
+          </p:sp>
         </p:grpSp>
-        <p:sp>
-          <p:nvSpPr>
-            <p:cNvPr id="21" name="ZoneTexte 20">
+        <p:grpSp>
+          <p:nvGrpSpPr>
+            <p:cNvPr id="27" name="Groupe 26">
               <a:extLst>
                 <a:ext uri="{FF2B5EF4-FFF2-40B4-BE49-F238E27FC236}">
-                  <a16:creationId xmlns:a16="http://schemas.microsoft.com/office/drawing/2014/main" id="{EFD05245-AFB2-4F76-B2F8-A955C9B0D190}"/>
-                </a:ext>
-              </a:extLst>
-            </p:cNvPr>
-            <p:cNvSpPr txBox="1"/>
-            <p:nvPr/>
-          </p:nvSpPr>
-          <p:spPr>
-            <a:xfrm>
-              <a:off x="2681633" y="1270933"/>
-              <a:ext cx="1594847" cy="400110"/>
-            </a:xfrm>
-            <a:prstGeom prst="rect">
-              <a:avLst/>
-            </a:prstGeom>
-            <a:noFill/>
-          </p:spPr>
-          <p:txBody>
-            <a:bodyPr wrap="square" rtlCol="0">
-              <a:spAutoFit/>
-            </a:bodyPr>
-            <a:lstStyle/>
-            <a:p>
-              <a:r>
-                <a:rPr lang="fr-FR" sz="2000" i="1" dirty="0"/>
-                <a:t>P =</a:t>
-              </a:r>
-              <a:r>
-                <a:rPr lang="fr-FR" sz="2000" dirty="0"/>
-                <a:t>0.001 </a:t>
-              </a:r>
-            </a:p>
-          </p:txBody>
-        </p:sp>
-      </p:grpSp>
-      <p:grpSp>
-        <p:nvGrpSpPr>
-          <p:cNvPr id="27" name="Groupe 26">
-            <a:extLst>
-              <a:ext uri="{FF2B5EF4-FFF2-40B4-BE49-F238E27FC236}">
-                <a16:creationId xmlns:a16="http://schemas.microsoft.com/office/drawing/2014/main" id="{138361E4-FBF1-4A0B-A5AA-55AFA97B7749}"/>
-              </a:ext>
-            </a:extLst>
-          </p:cNvPr>
-          <p:cNvGrpSpPr/>
-          <p:nvPr/>
-        </p:nvGrpSpPr>
-        <p:grpSpPr>
-          <a:xfrm>
-            <a:off x="4597466" y="662006"/>
-            <a:ext cx="2004173" cy="512222"/>
-            <a:chOff x="4741769" y="1229770"/>
-            <a:chExt cx="1692429" cy="512222"/>
-          </a:xfrm>
-        </p:grpSpPr>
-        <p:grpSp>
-          <p:nvGrpSpPr>
-            <p:cNvPr id="9" name="Groupe 8">
-              <a:extLst>
-                <a:ext uri="{FF2B5EF4-FFF2-40B4-BE49-F238E27FC236}">
-                  <a16:creationId xmlns:a16="http://schemas.microsoft.com/office/drawing/2014/main" id="{87D880D8-9C0C-450F-B359-584AC27C3F53}"/>
+                  <a16:creationId xmlns:a16="http://schemas.microsoft.com/office/drawing/2014/main" id="{138361E4-FBF1-4A0B-A5AA-55AFA97B7749}"/>
                 </a:ext>
               </a:extLst>
             </p:cNvPr>
@@ -6554,208 +6574,208 @@
           </p:nvGrpSpPr>
           <p:grpSpPr>
             <a:xfrm>
-              <a:off x="4741769" y="1614673"/>
-              <a:ext cx="1063796" cy="127319"/>
-              <a:chOff x="7824486" y="3443468"/>
-              <a:chExt cx="1660966" cy="500697"/>
+              <a:off x="4585217" y="-10523"/>
+              <a:ext cx="1888616" cy="683117"/>
+              <a:chOff x="4658693" y="1058875"/>
+              <a:chExt cx="1594847" cy="683117"/>
             </a:xfrm>
           </p:grpSpPr>
-          <p:cxnSp>
-            <p:nvCxnSpPr>
-              <p:cNvPr id="10" name="Connecteur droit 9">
+          <p:grpSp>
+            <p:nvGrpSpPr>
+              <p:cNvPr id="9" name="Groupe 8">
                 <a:extLst>
                   <a:ext uri="{FF2B5EF4-FFF2-40B4-BE49-F238E27FC236}">
-                    <a16:creationId xmlns:a16="http://schemas.microsoft.com/office/drawing/2014/main" id="{778EB69A-DA52-4137-BDAD-C6B9A158DF27}"/>
+                    <a16:creationId xmlns:a16="http://schemas.microsoft.com/office/drawing/2014/main" id="{87D880D8-9C0C-450F-B359-584AC27C3F53}"/>
                   </a:ext>
                 </a:extLst>
               </p:cNvPr>
-              <p:cNvCxnSpPr>
-                <a:cxnSpLocks/>
-              </p:cNvCxnSpPr>
+              <p:cNvGrpSpPr/>
               <p:nvPr/>
-            </p:nvCxnSpPr>
-            <p:spPr>
-              <a:xfrm flipV="1">
-                <a:off x="7824486" y="3443468"/>
-                <a:ext cx="0" cy="500697"/>
+            </p:nvGrpSpPr>
+            <p:grpSpPr>
+              <a:xfrm>
+                <a:off x="4741769" y="1614673"/>
+                <a:ext cx="1063796" cy="127319"/>
+                <a:chOff x="7824486" y="3443468"/>
+                <a:chExt cx="1660966" cy="500697"/>
               </a:xfrm>
-              <a:prstGeom prst="line">
-                <a:avLst/>
-              </a:prstGeom>
-              <a:ln w="19050">
-                <a:solidFill>
+            </p:grpSpPr>
+            <p:cxnSp>
+              <p:nvCxnSpPr>
+                <p:cNvPr id="10" name="Connecteur droit 9">
+                  <a:extLst>
+                    <a:ext uri="{FF2B5EF4-FFF2-40B4-BE49-F238E27FC236}">
+                      <a16:creationId xmlns:a16="http://schemas.microsoft.com/office/drawing/2014/main" id="{778EB69A-DA52-4137-BDAD-C6B9A158DF27}"/>
+                    </a:ext>
+                  </a:extLst>
+                </p:cNvPr>
+                <p:cNvCxnSpPr>
+                  <a:cxnSpLocks/>
+                </p:cNvCxnSpPr>
+                <p:nvPr/>
+              </p:nvCxnSpPr>
+              <p:spPr>
+                <a:xfrm flipV="1">
+                  <a:off x="7824486" y="3443468"/>
+                  <a:ext cx="0" cy="500697"/>
+                </a:xfrm>
+                <a:prstGeom prst="line">
+                  <a:avLst/>
+                </a:prstGeom>
+                <a:ln w="19050">
+                  <a:solidFill>
+                    <a:schemeClr val="tx1"/>
+                  </a:solidFill>
+                </a:ln>
+              </p:spPr>
+              <p:style>
+                <a:lnRef idx="1">
+                  <a:schemeClr val="accent1"/>
+                </a:lnRef>
+                <a:fillRef idx="0">
+                  <a:schemeClr val="accent1"/>
+                </a:fillRef>
+                <a:effectRef idx="0">
+                  <a:schemeClr val="accent1"/>
+                </a:effectRef>
+                <a:fontRef idx="minor">
                   <a:schemeClr val="tx1"/>
-                </a:solidFill>
-              </a:ln>
-            </p:spPr>
-            <p:style>
-              <a:lnRef idx="1">
-                <a:schemeClr val="accent1"/>
-              </a:lnRef>
-              <a:fillRef idx="0">
-                <a:schemeClr val="accent1"/>
-              </a:fillRef>
-              <a:effectRef idx="0">
-                <a:schemeClr val="accent1"/>
-              </a:effectRef>
-              <a:fontRef idx="minor">
-                <a:schemeClr val="tx1"/>
-              </a:fontRef>
-            </p:style>
-          </p:cxnSp>
-          <p:cxnSp>
-            <p:nvCxnSpPr>
-              <p:cNvPr id="11" name="Connecteur droit 10">
+                </a:fontRef>
+              </p:style>
+            </p:cxnSp>
+            <p:cxnSp>
+              <p:nvCxnSpPr>
+                <p:cNvPr id="11" name="Connecteur droit 10">
+                  <a:extLst>
+                    <a:ext uri="{FF2B5EF4-FFF2-40B4-BE49-F238E27FC236}">
+                      <a16:creationId xmlns:a16="http://schemas.microsoft.com/office/drawing/2014/main" id="{1AC21215-56BA-4FAD-BD7D-C8A5D1D9F72C}"/>
+                    </a:ext>
+                  </a:extLst>
+                </p:cNvPr>
+                <p:cNvCxnSpPr>
+                  <a:cxnSpLocks/>
+                </p:cNvCxnSpPr>
+                <p:nvPr/>
+              </p:nvCxnSpPr>
+              <p:spPr>
+                <a:xfrm>
+                  <a:off x="7824486" y="3449254"/>
+                  <a:ext cx="1660966" cy="5880"/>
+                </a:xfrm>
+                <a:prstGeom prst="line">
+                  <a:avLst/>
+                </a:prstGeom>
+                <a:ln w="19050">
+                  <a:solidFill>
+                    <a:schemeClr val="tx1"/>
+                  </a:solidFill>
+                </a:ln>
+              </p:spPr>
+              <p:style>
+                <a:lnRef idx="1">
+                  <a:schemeClr val="accent1"/>
+                </a:lnRef>
+                <a:fillRef idx="0">
+                  <a:schemeClr val="accent1"/>
+                </a:fillRef>
+                <a:effectRef idx="0">
+                  <a:schemeClr val="accent1"/>
+                </a:effectRef>
+                <a:fontRef idx="minor">
+                  <a:schemeClr val="tx1"/>
+                </a:fontRef>
+              </p:style>
+            </p:cxnSp>
+            <p:cxnSp>
+              <p:nvCxnSpPr>
+                <p:cNvPr id="12" name="Connecteur droit 11">
+                  <a:extLst>
+                    <a:ext uri="{FF2B5EF4-FFF2-40B4-BE49-F238E27FC236}">
+                      <a16:creationId xmlns:a16="http://schemas.microsoft.com/office/drawing/2014/main" id="{F4848C9D-6534-433F-8A0D-5CF98F0EF60D}"/>
+                    </a:ext>
+                  </a:extLst>
+                </p:cNvPr>
+                <p:cNvCxnSpPr>
+                  <a:cxnSpLocks/>
+                </p:cNvCxnSpPr>
+                <p:nvPr/>
+              </p:nvCxnSpPr>
+              <p:spPr>
+                <a:xfrm>
+                  <a:off x="9482558" y="3452194"/>
+                  <a:ext cx="0" cy="491971"/>
+                </a:xfrm>
+                <a:prstGeom prst="line">
+                  <a:avLst/>
+                </a:prstGeom>
+                <a:ln w="19050">
+                  <a:solidFill>
+                    <a:schemeClr val="tx1"/>
+                  </a:solidFill>
+                </a:ln>
+              </p:spPr>
+              <p:style>
+                <a:lnRef idx="1">
+                  <a:schemeClr val="accent1"/>
+                </a:lnRef>
+                <a:fillRef idx="0">
+                  <a:schemeClr val="accent1"/>
+                </a:fillRef>
+                <a:effectRef idx="0">
+                  <a:schemeClr val="accent1"/>
+                </a:effectRef>
+                <a:fontRef idx="minor">
+                  <a:schemeClr val="tx1"/>
+                </a:fontRef>
+              </p:style>
+            </p:cxnSp>
+          </p:grpSp>
+          <p:sp>
+            <p:nvSpPr>
+              <p:cNvPr id="22" name="ZoneTexte 21">
                 <a:extLst>
                   <a:ext uri="{FF2B5EF4-FFF2-40B4-BE49-F238E27FC236}">
-                    <a16:creationId xmlns:a16="http://schemas.microsoft.com/office/drawing/2014/main" id="{1AC21215-56BA-4FAD-BD7D-C8A5D1D9F72C}"/>
+                    <a16:creationId xmlns:a16="http://schemas.microsoft.com/office/drawing/2014/main" id="{612D9F1D-C1DC-49EB-A5A0-78AAF3F7ACD4}"/>
                   </a:ext>
                 </a:extLst>
               </p:cNvPr>
-              <p:cNvCxnSpPr>
-                <a:cxnSpLocks/>
-              </p:cNvCxnSpPr>
+              <p:cNvSpPr txBox="1"/>
               <p:nvPr/>
-            </p:nvCxnSpPr>
+            </p:nvSpPr>
             <p:spPr>
               <a:xfrm>
-                <a:off x="7824486" y="3449254"/>
-                <a:ext cx="1660966" cy="5880"/>
+                <a:off x="4658693" y="1058875"/>
+                <a:ext cx="1594847" cy="523220"/>
               </a:xfrm>
-              <a:prstGeom prst="line">
+              <a:prstGeom prst="rect">
                 <a:avLst/>
               </a:prstGeom>
-              <a:ln w="19050">
-                <a:solidFill>
-                  <a:schemeClr val="tx1"/>
-                </a:solidFill>
-              </a:ln>
+              <a:noFill/>
             </p:spPr>
-            <p:style>
-              <a:lnRef idx="1">
-                <a:schemeClr val="accent1"/>
-              </a:lnRef>
-              <a:fillRef idx="0">
-                <a:schemeClr val="accent1"/>
-              </a:fillRef>
-              <a:effectRef idx="0">
-                <a:schemeClr val="accent1"/>
-              </a:effectRef>
-              <a:fontRef idx="minor">
-                <a:schemeClr val="tx1"/>
-              </a:fontRef>
-            </p:style>
-          </p:cxnSp>
-          <p:cxnSp>
-            <p:nvCxnSpPr>
-              <p:cNvPr id="12" name="Connecteur droit 11">
-                <a:extLst>
-                  <a:ext uri="{FF2B5EF4-FFF2-40B4-BE49-F238E27FC236}">
-                    <a16:creationId xmlns:a16="http://schemas.microsoft.com/office/drawing/2014/main" id="{F4848C9D-6534-433F-8A0D-5CF98F0EF60D}"/>
-                  </a:ext>
-                </a:extLst>
-              </p:cNvPr>
-              <p:cNvCxnSpPr>
-                <a:cxnSpLocks/>
-              </p:cNvCxnSpPr>
-              <p:nvPr/>
-            </p:nvCxnSpPr>
-            <p:spPr>
-              <a:xfrm>
-                <a:off x="9482558" y="3452194"/>
-                <a:ext cx="0" cy="491971"/>
-              </a:xfrm>
-              <a:prstGeom prst="line">
-                <a:avLst/>
-              </a:prstGeom>
-              <a:ln w="19050">
-                <a:solidFill>
-                  <a:schemeClr val="tx1"/>
-                </a:solidFill>
-              </a:ln>
-            </p:spPr>
-            <p:style>
-              <a:lnRef idx="1">
-                <a:schemeClr val="accent1"/>
-              </a:lnRef>
-              <a:fillRef idx="0">
-                <a:schemeClr val="accent1"/>
-              </a:fillRef>
-              <a:effectRef idx="0">
-                <a:schemeClr val="accent1"/>
-              </a:effectRef>
-              <a:fontRef idx="minor">
-                <a:schemeClr val="tx1"/>
-              </a:fontRef>
-            </p:style>
-          </p:cxnSp>
+            <p:txBody>
+              <a:bodyPr wrap="square" rtlCol="0">
+                <a:spAutoFit/>
+              </a:bodyPr>
+              <a:lstStyle/>
+              <a:p>
+                <a:r>
+                  <a:rPr lang="fr-FR" sz="2800" i="1" dirty="0"/>
+                  <a:t>P =5E-05</a:t>
+                </a:r>
+                <a:r>
+                  <a:rPr lang="fr-FR" sz="2800" dirty="0"/>
+                  <a:t> </a:t>
+                </a:r>
+              </a:p>
+            </p:txBody>
+          </p:sp>
         </p:grpSp>
-        <p:sp>
-          <p:nvSpPr>
-            <p:cNvPr id="22" name="ZoneTexte 21">
+        <p:grpSp>
+          <p:nvGrpSpPr>
+            <p:cNvPr id="25" name="Groupe 24">
               <a:extLst>
                 <a:ext uri="{FF2B5EF4-FFF2-40B4-BE49-F238E27FC236}">
-                  <a16:creationId xmlns:a16="http://schemas.microsoft.com/office/drawing/2014/main" id="{612D9F1D-C1DC-49EB-A5A0-78AAF3F7ACD4}"/>
-                </a:ext>
-              </a:extLst>
-            </p:cNvPr>
-            <p:cNvSpPr txBox="1"/>
-            <p:nvPr/>
-          </p:nvSpPr>
-          <p:spPr>
-            <a:xfrm>
-              <a:off x="4839351" y="1229770"/>
-              <a:ext cx="1594847" cy="400110"/>
-            </a:xfrm>
-            <a:prstGeom prst="rect">
-              <a:avLst/>
-            </a:prstGeom>
-            <a:noFill/>
-          </p:spPr>
-          <p:txBody>
-            <a:bodyPr wrap="square" rtlCol="0">
-              <a:spAutoFit/>
-            </a:bodyPr>
-            <a:lstStyle/>
-            <a:p>
-              <a:r>
-                <a:rPr lang="fr-FR" sz="2000" i="1" dirty="0"/>
-                <a:t>P =5E-05</a:t>
-              </a:r>
-              <a:r>
-                <a:rPr lang="fr-FR" sz="2000" dirty="0"/>
-                <a:t> </a:t>
-              </a:r>
-            </a:p>
-          </p:txBody>
-        </p:sp>
-      </p:grpSp>
-      <p:grpSp>
-        <p:nvGrpSpPr>
-          <p:cNvPr id="25" name="Groupe 24">
-            <a:extLst>
-              <a:ext uri="{FF2B5EF4-FFF2-40B4-BE49-F238E27FC236}">
-                <a16:creationId xmlns:a16="http://schemas.microsoft.com/office/drawing/2014/main" id="{D5397535-583F-4D33-A8E0-8C3F475C7696}"/>
-              </a:ext>
-            </a:extLst>
-          </p:cNvPr>
-          <p:cNvGrpSpPr/>
-          <p:nvPr/>
-        </p:nvGrpSpPr>
-        <p:grpSpPr>
-          <a:xfrm>
-            <a:off x="9854017" y="642667"/>
-            <a:ext cx="1691851" cy="707886"/>
-            <a:chOff x="8943890" y="1260729"/>
-            <a:chExt cx="1513966" cy="707886"/>
-          </a:xfrm>
-        </p:grpSpPr>
-        <p:grpSp>
-          <p:nvGrpSpPr>
-            <p:cNvPr id="17" name="Groupe 16">
-              <a:extLst>
-                <a:ext uri="{FF2B5EF4-FFF2-40B4-BE49-F238E27FC236}">
-                  <a16:creationId xmlns:a16="http://schemas.microsoft.com/office/drawing/2014/main" id="{AFAF85E3-87ED-428A-B34E-DC8EE43B6E5B}"/>
+                  <a16:creationId xmlns:a16="http://schemas.microsoft.com/office/drawing/2014/main" id="{D5397535-583F-4D33-A8E0-8C3F475C7696}"/>
                 </a:ext>
               </a:extLst>
             </p:cNvPr>
@@ -6764,210 +6784,204 @@
           </p:nvGrpSpPr>
           <p:grpSpPr>
             <a:xfrm>
-              <a:off x="8943890" y="1614672"/>
-              <a:ext cx="1063796" cy="127319"/>
-              <a:chOff x="7824486" y="3443468"/>
-              <a:chExt cx="1660966" cy="500697"/>
+              <a:off x="9855632" y="52473"/>
+              <a:ext cx="1646180" cy="632818"/>
+              <a:chOff x="8814497" y="1109173"/>
+              <a:chExt cx="1473097" cy="632818"/>
             </a:xfrm>
           </p:grpSpPr>
-          <p:cxnSp>
-            <p:nvCxnSpPr>
-              <p:cNvPr id="18" name="Connecteur droit 17">
+          <p:grpSp>
+            <p:nvGrpSpPr>
+              <p:cNvPr id="17" name="Groupe 16">
                 <a:extLst>
                   <a:ext uri="{FF2B5EF4-FFF2-40B4-BE49-F238E27FC236}">
-                    <a16:creationId xmlns:a16="http://schemas.microsoft.com/office/drawing/2014/main" id="{10B69CD7-D5C5-44D1-94EB-40D62431CF71}"/>
+                    <a16:creationId xmlns:a16="http://schemas.microsoft.com/office/drawing/2014/main" id="{AFAF85E3-87ED-428A-B34E-DC8EE43B6E5B}"/>
                   </a:ext>
                 </a:extLst>
               </p:cNvPr>
-              <p:cNvCxnSpPr>
-                <a:cxnSpLocks/>
-              </p:cNvCxnSpPr>
+              <p:cNvGrpSpPr/>
               <p:nvPr/>
-            </p:nvCxnSpPr>
-            <p:spPr>
-              <a:xfrm flipV="1">
-                <a:off x="7824486" y="3443468"/>
-                <a:ext cx="0" cy="500697"/>
+            </p:nvGrpSpPr>
+            <p:grpSpPr>
+              <a:xfrm>
+                <a:off x="8943890" y="1614672"/>
+                <a:ext cx="1063796" cy="127319"/>
+                <a:chOff x="7824486" y="3443468"/>
+                <a:chExt cx="1660966" cy="500697"/>
               </a:xfrm>
-              <a:prstGeom prst="line">
-                <a:avLst/>
-              </a:prstGeom>
-              <a:ln w="19050">
-                <a:solidFill>
+            </p:grpSpPr>
+            <p:cxnSp>
+              <p:nvCxnSpPr>
+                <p:cNvPr id="18" name="Connecteur droit 17">
+                  <a:extLst>
+                    <a:ext uri="{FF2B5EF4-FFF2-40B4-BE49-F238E27FC236}">
+                      <a16:creationId xmlns:a16="http://schemas.microsoft.com/office/drawing/2014/main" id="{10B69CD7-D5C5-44D1-94EB-40D62431CF71}"/>
+                    </a:ext>
+                  </a:extLst>
+                </p:cNvPr>
+                <p:cNvCxnSpPr>
+                  <a:cxnSpLocks/>
+                </p:cNvCxnSpPr>
+                <p:nvPr/>
+              </p:nvCxnSpPr>
+              <p:spPr>
+                <a:xfrm flipV="1">
+                  <a:off x="7824486" y="3443468"/>
+                  <a:ext cx="0" cy="500697"/>
+                </a:xfrm>
+                <a:prstGeom prst="line">
+                  <a:avLst/>
+                </a:prstGeom>
+                <a:ln w="19050">
+                  <a:solidFill>
+                    <a:schemeClr val="tx1"/>
+                  </a:solidFill>
+                </a:ln>
+              </p:spPr>
+              <p:style>
+                <a:lnRef idx="1">
+                  <a:schemeClr val="accent1"/>
+                </a:lnRef>
+                <a:fillRef idx="0">
+                  <a:schemeClr val="accent1"/>
+                </a:fillRef>
+                <a:effectRef idx="0">
+                  <a:schemeClr val="accent1"/>
+                </a:effectRef>
+                <a:fontRef idx="minor">
                   <a:schemeClr val="tx1"/>
-                </a:solidFill>
-              </a:ln>
-            </p:spPr>
-            <p:style>
-              <a:lnRef idx="1">
-                <a:schemeClr val="accent1"/>
-              </a:lnRef>
-              <a:fillRef idx="0">
-                <a:schemeClr val="accent1"/>
-              </a:fillRef>
-              <a:effectRef idx="0">
-                <a:schemeClr val="accent1"/>
-              </a:effectRef>
-              <a:fontRef idx="minor">
-                <a:schemeClr val="tx1"/>
-              </a:fontRef>
-            </p:style>
-          </p:cxnSp>
-          <p:cxnSp>
-            <p:nvCxnSpPr>
-              <p:cNvPr id="19" name="Connecteur droit 18">
+                </a:fontRef>
+              </p:style>
+            </p:cxnSp>
+            <p:cxnSp>
+              <p:nvCxnSpPr>
+                <p:cNvPr id="19" name="Connecteur droit 18">
+                  <a:extLst>
+                    <a:ext uri="{FF2B5EF4-FFF2-40B4-BE49-F238E27FC236}">
+                      <a16:creationId xmlns:a16="http://schemas.microsoft.com/office/drawing/2014/main" id="{43C0A0F4-470C-4696-9923-98EE4F4F4A51}"/>
+                    </a:ext>
+                  </a:extLst>
+                </p:cNvPr>
+                <p:cNvCxnSpPr>
+                  <a:cxnSpLocks/>
+                </p:cNvCxnSpPr>
+                <p:nvPr/>
+              </p:nvCxnSpPr>
+              <p:spPr>
+                <a:xfrm>
+                  <a:off x="7824486" y="3449254"/>
+                  <a:ext cx="1660966" cy="5880"/>
+                </a:xfrm>
+                <a:prstGeom prst="line">
+                  <a:avLst/>
+                </a:prstGeom>
+                <a:ln w="19050">
+                  <a:solidFill>
+                    <a:schemeClr val="tx1"/>
+                  </a:solidFill>
+                </a:ln>
+              </p:spPr>
+              <p:style>
+                <a:lnRef idx="1">
+                  <a:schemeClr val="accent1"/>
+                </a:lnRef>
+                <a:fillRef idx="0">
+                  <a:schemeClr val="accent1"/>
+                </a:fillRef>
+                <a:effectRef idx="0">
+                  <a:schemeClr val="accent1"/>
+                </a:effectRef>
+                <a:fontRef idx="minor">
+                  <a:schemeClr val="tx1"/>
+                </a:fontRef>
+              </p:style>
+            </p:cxnSp>
+            <p:cxnSp>
+              <p:nvCxnSpPr>
+                <p:cNvPr id="20" name="Connecteur droit 19">
+                  <a:extLst>
+                    <a:ext uri="{FF2B5EF4-FFF2-40B4-BE49-F238E27FC236}">
+                      <a16:creationId xmlns:a16="http://schemas.microsoft.com/office/drawing/2014/main" id="{6222AC91-9082-486F-A152-7A06CB25F63B}"/>
+                    </a:ext>
+                  </a:extLst>
+                </p:cNvPr>
+                <p:cNvCxnSpPr>
+                  <a:cxnSpLocks/>
+                </p:cNvCxnSpPr>
+                <p:nvPr/>
+              </p:nvCxnSpPr>
+              <p:spPr>
+                <a:xfrm>
+                  <a:off x="9482558" y="3452194"/>
+                  <a:ext cx="0" cy="491971"/>
+                </a:xfrm>
+                <a:prstGeom prst="line">
+                  <a:avLst/>
+                </a:prstGeom>
+                <a:ln w="19050">
+                  <a:solidFill>
+                    <a:schemeClr val="tx1"/>
+                  </a:solidFill>
+                </a:ln>
+              </p:spPr>
+              <p:style>
+                <a:lnRef idx="1">
+                  <a:schemeClr val="accent1"/>
+                </a:lnRef>
+                <a:fillRef idx="0">
+                  <a:schemeClr val="accent1"/>
+                </a:fillRef>
+                <a:effectRef idx="0">
+                  <a:schemeClr val="accent1"/>
+                </a:effectRef>
+                <a:fontRef idx="minor">
+                  <a:schemeClr val="tx1"/>
+                </a:fontRef>
+              </p:style>
+            </p:cxnSp>
+          </p:grpSp>
+          <p:sp>
+            <p:nvSpPr>
+              <p:cNvPr id="23" name="ZoneTexte 22">
                 <a:extLst>
                   <a:ext uri="{FF2B5EF4-FFF2-40B4-BE49-F238E27FC236}">
-                    <a16:creationId xmlns:a16="http://schemas.microsoft.com/office/drawing/2014/main" id="{43C0A0F4-470C-4696-9923-98EE4F4F4A51}"/>
+                    <a16:creationId xmlns:a16="http://schemas.microsoft.com/office/drawing/2014/main" id="{3181E1B1-5AD4-465B-8962-AE69C948A43B}"/>
                   </a:ext>
                 </a:extLst>
               </p:cNvPr>
-              <p:cNvCxnSpPr>
-                <a:cxnSpLocks/>
-              </p:cNvCxnSpPr>
+              <p:cNvSpPr txBox="1"/>
               <p:nvPr/>
-            </p:nvCxnSpPr>
+            </p:nvSpPr>
             <p:spPr>
               <a:xfrm>
-                <a:off x="7824486" y="3449254"/>
-                <a:ext cx="1660966" cy="5880"/>
+                <a:off x="8814497" y="1109173"/>
+                <a:ext cx="1473097" cy="523220"/>
               </a:xfrm>
-              <a:prstGeom prst="line">
+              <a:prstGeom prst="rect">
                 <a:avLst/>
               </a:prstGeom>
-              <a:ln w="19050">
-                <a:solidFill>
-                  <a:schemeClr val="tx1"/>
-                </a:solidFill>
-              </a:ln>
+              <a:noFill/>
             </p:spPr>
-            <p:style>
-              <a:lnRef idx="1">
-                <a:schemeClr val="accent1"/>
-              </a:lnRef>
-              <a:fillRef idx="0">
-                <a:schemeClr val="accent1"/>
-              </a:fillRef>
-              <a:effectRef idx="0">
-                <a:schemeClr val="accent1"/>
-              </a:effectRef>
-              <a:fontRef idx="minor">
-                <a:schemeClr val="tx1"/>
-              </a:fontRef>
-            </p:style>
-          </p:cxnSp>
-          <p:cxnSp>
-            <p:nvCxnSpPr>
-              <p:cNvPr id="20" name="Connecteur droit 19">
-                <a:extLst>
-                  <a:ext uri="{FF2B5EF4-FFF2-40B4-BE49-F238E27FC236}">
-                    <a16:creationId xmlns:a16="http://schemas.microsoft.com/office/drawing/2014/main" id="{6222AC91-9082-486F-A152-7A06CB25F63B}"/>
-                  </a:ext>
-                </a:extLst>
-              </p:cNvPr>
-              <p:cNvCxnSpPr>
-                <a:cxnSpLocks/>
-              </p:cNvCxnSpPr>
-              <p:nvPr/>
-            </p:nvCxnSpPr>
-            <p:spPr>
-              <a:xfrm>
-                <a:off x="9482558" y="3452194"/>
-                <a:ext cx="0" cy="491971"/>
-              </a:xfrm>
-              <a:prstGeom prst="line">
-                <a:avLst/>
-              </a:prstGeom>
-              <a:ln w="19050">
-                <a:solidFill>
-                  <a:schemeClr val="tx1"/>
-                </a:solidFill>
-              </a:ln>
-            </p:spPr>
-            <p:style>
-              <a:lnRef idx="1">
-                <a:schemeClr val="accent1"/>
-              </a:lnRef>
-              <a:fillRef idx="0">
-                <a:schemeClr val="accent1"/>
-              </a:fillRef>
-              <a:effectRef idx="0">
-                <a:schemeClr val="accent1"/>
-              </a:effectRef>
-              <a:fontRef idx="minor">
-                <a:schemeClr val="tx1"/>
-              </a:fontRef>
-            </p:style>
-          </p:cxnSp>
+            <p:txBody>
+              <a:bodyPr wrap="square" rtlCol="0">
+                <a:spAutoFit/>
+              </a:bodyPr>
+              <a:lstStyle/>
+              <a:p>
+                <a:r>
+                  <a:rPr lang="fr-FR" sz="2800" i="1" dirty="0"/>
+                  <a:t>P =6E-11</a:t>
+                </a:r>
+              </a:p>
+            </p:txBody>
+          </p:sp>
         </p:grpSp>
-        <p:sp>
-          <p:nvSpPr>
-            <p:cNvPr id="23" name="ZoneTexte 22">
+        <p:grpSp>
+          <p:nvGrpSpPr>
+            <p:cNvPr id="26" name="Groupe 25">
               <a:extLst>
                 <a:ext uri="{FF2B5EF4-FFF2-40B4-BE49-F238E27FC236}">
-                  <a16:creationId xmlns:a16="http://schemas.microsoft.com/office/drawing/2014/main" id="{3181E1B1-5AD4-465B-8962-AE69C948A43B}"/>
-                </a:ext>
-              </a:extLst>
-            </p:cNvPr>
-            <p:cNvSpPr txBox="1"/>
-            <p:nvPr/>
-          </p:nvSpPr>
-          <p:spPr>
-            <a:xfrm>
-              <a:off x="8984759" y="1260729"/>
-              <a:ext cx="1473097" cy="707886"/>
-            </a:xfrm>
-            <a:prstGeom prst="rect">
-              <a:avLst/>
-            </a:prstGeom>
-            <a:noFill/>
-          </p:spPr>
-          <p:txBody>
-            <a:bodyPr wrap="square" rtlCol="0">
-              <a:spAutoFit/>
-            </a:bodyPr>
-            <a:lstStyle/>
-            <a:p>
-              <a:r>
-                <a:rPr lang="fr-FR" sz="2000" i="1" dirty="0"/>
-                <a:t>P =6E-11</a:t>
-              </a:r>
-            </a:p>
-            <a:p>
-              <a:r>
-                <a:rPr lang="fr-FR" sz="2000" dirty="0"/>
-                <a:t> </a:t>
-              </a:r>
-            </a:p>
-          </p:txBody>
-        </p:sp>
-      </p:grpSp>
-      <p:grpSp>
-        <p:nvGrpSpPr>
-          <p:cNvPr id="26" name="Groupe 25">
-            <a:extLst>
-              <a:ext uri="{FF2B5EF4-FFF2-40B4-BE49-F238E27FC236}">
-                <a16:creationId xmlns:a16="http://schemas.microsoft.com/office/drawing/2014/main" id="{17E33AB1-BE83-4539-9B43-A1DBB47C2D69}"/>
-              </a:ext>
-            </a:extLst>
-          </p:cNvPr>
-          <p:cNvGrpSpPr/>
-          <p:nvPr/>
-        </p:nvGrpSpPr>
-        <p:grpSpPr>
-          <a:xfrm>
-            <a:off x="7184921" y="679588"/>
-            <a:ext cx="1419929" cy="707886"/>
-            <a:chOff x="6885015" y="1247352"/>
-            <a:chExt cx="1156202" cy="707886"/>
-          </a:xfrm>
-        </p:grpSpPr>
-        <p:grpSp>
-          <p:nvGrpSpPr>
-            <p:cNvPr id="13" name="Groupe 12">
-              <a:extLst>
-                <a:ext uri="{FF2B5EF4-FFF2-40B4-BE49-F238E27FC236}">
-                  <a16:creationId xmlns:a16="http://schemas.microsoft.com/office/drawing/2014/main" id="{E083BCC9-CDF6-437C-90BE-50831124C302}"/>
+                  <a16:creationId xmlns:a16="http://schemas.microsoft.com/office/drawing/2014/main" id="{17E33AB1-BE83-4539-9B43-A1DBB47C2D69}"/>
                 </a:ext>
               </a:extLst>
             </p:cNvPr>
@@ -6976,231 +6990,250 @@
           </p:nvGrpSpPr>
           <p:grpSpPr>
             <a:xfrm>
-              <a:off x="6885015" y="1614673"/>
-              <a:ext cx="1063796" cy="127319"/>
-              <a:chOff x="7824486" y="3443468"/>
-              <a:chExt cx="1660966" cy="500697"/>
+              <a:off x="7289866" y="61180"/>
+              <a:ext cx="1324764" cy="611414"/>
+              <a:chOff x="6870099" y="1130578"/>
+              <a:chExt cx="1078712" cy="611414"/>
             </a:xfrm>
           </p:grpSpPr>
-          <p:cxnSp>
-            <p:nvCxnSpPr>
-              <p:cNvPr id="14" name="Connecteur droit 13">
+          <p:grpSp>
+            <p:nvGrpSpPr>
+              <p:cNvPr id="13" name="Groupe 12">
                 <a:extLst>
                   <a:ext uri="{FF2B5EF4-FFF2-40B4-BE49-F238E27FC236}">
-                    <a16:creationId xmlns:a16="http://schemas.microsoft.com/office/drawing/2014/main" id="{AF60AE78-8897-45EE-9A6F-08639EF3ABAC}"/>
+                    <a16:creationId xmlns:a16="http://schemas.microsoft.com/office/drawing/2014/main" id="{E083BCC9-CDF6-437C-90BE-50831124C302}"/>
                   </a:ext>
                 </a:extLst>
               </p:cNvPr>
-              <p:cNvCxnSpPr>
-                <a:cxnSpLocks/>
-              </p:cNvCxnSpPr>
+              <p:cNvGrpSpPr/>
               <p:nvPr/>
-            </p:nvCxnSpPr>
-            <p:spPr>
-              <a:xfrm flipV="1">
-                <a:off x="7824486" y="3443468"/>
-                <a:ext cx="0" cy="500697"/>
+            </p:nvGrpSpPr>
+            <p:grpSpPr>
+              <a:xfrm>
+                <a:off x="6885015" y="1614673"/>
+                <a:ext cx="1063796" cy="127319"/>
+                <a:chOff x="7824486" y="3443468"/>
+                <a:chExt cx="1660966" cy="500697"/>
               </a:xfrm>
-              <a:prstGeom prst="line">
-                <a:avLst/>
-              </a:prstGeom>
-              <a:ln w="19050">
-                <a:solidFill>
+            </p:grpSpPr>
+            <p:cxnSp>
+              <p:nvCxnSpPr>
+                <p:cNvPr id="14" name="Connecteur droit 13">
+                  <a:extLst>
+                    <a:ext uri="{FF2B5EF4-FFF2-40B4-BE49-F238E27FC236}">
+                      <a16:creationId xmlns:a16="http://schemas.microsoft.com/office/drawing/2014/main" id="{AF60AE78-8897-45EE-9A6F-08639EF3ABAC}"/>
+                    </a:ext>
+                  </a:extLst>
+                </p:cNvPr>
+                <p:cNvCxnSpPr>
+                  <a:cxnSpLocks/>
+                </p:cNvCxnSpPr>
+                <p:nvPr/>
+              </p:nvCxnSpPr>
+              <p:spPr>
+                <a:xfrm flipV="1">
+                  <a:off x="7824486" y="3443468"/>
+                  <a:ext cx="0" cy="500697"/>
+                </a:xfrm>
+                <a:prstGeom prst="line">
+                  <a:avLst/>
+                </a:prstGeom>
+                <a:ln w="19050">
+                  <a:solidFill>
+                    <a:schemeClr val="tx1"/>
+                  </a:solidFill>
+                </a:ln>
+              </p:spPr>
+              <p:style>
+                <a:lnRef idx="1">
+                  <a:schemeClr val="accent1"/>
+                </a:lnRef>
+                <a:fillRef idx="0">
+                  <a:schemeClr val="accent1"/>
+                </a:fillRef>
+                <a:effectRef idx="0">
+                  <a:schemeClr val="accent1"/>
+                </a:effectRef>
+                <a:fontRef idx="minor">
                   <a:schemeClr val="tx1"/>
-                </a:solidFill>
-              </a:ln>
-            </p:spPr>
-            <p:style>
-              <a:lnRef idx="1">
-                <a:schemeClr val="accent1"/>
-              </a:lnRef>
-              <a:fillRef idx="0">
-                <a:schemeClr val="accent1"/>
-              </a:fillRef>
-              <a:effectRef idx="0">
-                <a:schemeClr val="accent1"/>
-              </a:effectRef>
-              <a:fontRef idx="minor">
-                <a:schemeClr val="tx1"/>
-              </a:fontRef>
-            </p:style>
-          </p:cxnSp>
-          <p:cxnSp>
-            <p:nvCxnSpPr>
-              <p:cNvPr id="15" name="Connecteur droit 14">
+                </a:fontRef>
+              </p:style>
+            </p:cxnSp>
+            <p:cxnSp>
+              <p:nvCxnSpPr>
+                <p:cNvPr id="15" name="Connecteur droit 14">
+                  <a:extLst>
+                    <a:ext uri="{FF2B5EF4-FFF2-40B4-BE49-F238E27FC236}">
+                      <a16:creationId xmlns:a16="http://schemas.microsoft.com/office/drawing/2014/main" id="{A73484C7-4021-4CAC-9372-C4DAD2EE7EDE}"/>
+                    </a:ext>
+                  </a:extLst>
+                </p:cNvPr>
+                <p:cNvCxnSpPr>
+                  <a:cxnSpLocks/>
+                </p:cNvCxnSpPr>
+                <p:nvPr/>
+              </p:nvCxnSpPr>
+              <p:spPr>
+                <a:xfrm>
+                  <a:off x="7824486" y="3449254"/>
+                  <a:ext cx="1660966" cy="5880"/>
+                </a:xfrm>
+                <a:prstGeom prst="line">
+                  <a:avLst/>
+                </a:prstGeom>
+                <a:ln w="19050">
+                  <a:solidFill>
+                    <a:schemeClr val="tx1"/>
+                  </a:solidFill>
+                </a:ln>
+              </p:spPr>
+              <p:style>
+                <a:lnRef idx="1">
+                  <a:schemeClr val="accent1"/>
+                </a:lnRef>
+                <a:fillRef idx="0">
+                  <a:schemeClr val="accent1"/>
+                </a:fillRef>
+                <a:effectRef idx="0">
+                  <a:schemeClr val="accent1"/>
+                </a:effectRef>
+                <a:fontRef idx="minor">
+                  <a:schemeClr val="tx1"/>
+                </a:fontRef>
+              </p:style>
+            </p:cxnSp>
+            <p:cxnSp>
+              <p:nvCxnSpPr>
+                <p:cNvPr id="16" name="Connecteur droit 15">
+                  <a:extLst>
+                    <a:ext uri="{FF2B5EF4-FFF2-40B4-BE49-F238E27FC236}">
+                      <a16:creationId xmlns:a16="http://schemas.microsoft.com/office/drawing/2014/main" id="{D9444DE2-84DD-45EF-AE2A-A19F21EA2785}"/>
+                    </a:ext>
+                  </a:extLst>
+                </p:cNvPr>
+                <p:cNvCxnSpPr>
+                  <a:cxnSpLocks/>
+                </p:cNvCxnSpPr>
+                <p:nvPr/>
+              </p:nvCxnSpPr>
+              <p:spPr>
+                <a:xfrm>
+                  <a:off x="9482558" y="3452194"/>
+                  <a:ext cx="0" cy="491971"/>
+                </a:xfrm>
+                <a:prstGeom prst="line">
+                  <a:avLst/>
+                </a:prstGeom>
+                <a:ln w="19050">
+                  <a:solidFill>
+                    <a:schemeClr val="tx1"/>
+                  </a:solidFill>
+                </a:ln>
+              </p:spPr>
+              <p:style>
+                <a:lnRef idx="1">
+                  <a:schemeClr val="accent1"/>
+                </a:lnRef>
+                <a:fillRef idx="0">
+                  <a:schemeClr val="accent1"/>
+                </a:fillRef>
+                <a:effectRef idx="0">
+                  <a:schemeClr val="accent1"/>
+                </a:effectRef>
+                <a:fontRef idx="minor">
+                  <a:schemeClr val="tx1"/>
+                </a:fontRef>
+              </p:style>
+            </p:cxnSp>
+          </p:grpSp>
+          <p:sp>
+            <p:nvSpPr>
+              <p:cNvPr id="24" name="ZoneTexte 23">
                 <a:extLst>
                   <a:ext uri="{FF2B5EF4-FFF2-40B4-BE49-F238E27FC236}">
-                    <a16:creationId xmlns:a16="http://schemas.microsoft.com/office/drawing/2014/main" id="{A73484C7-4021-4CAC-9372-C4DAD2EE7EDE}"/>
+                    <a16:creationId xmlns:a16="http://schemas.microsoft.com/office/drawing/2014/main" id="{E8D22DC5-F479-4742-AD68-BB6D010EBCC4}"/>
                   </a:ext>
                 </a:extLst>
               </p:cNvPr>
-              <p:cNvCxnSpPr>
-                <a:cxnSpLocks/>
-              </p:cNvCxnSpPr>
+              <p:cNvSpPr txBox="1"/>
               <p:nvPr/>
-            </p:nvCxnSpPr>
+            </p:nvSpPr>
             <p:spPr>
               <a:xfrm>
-                <a:off x="7824486" y="3449254"/>
-                <a:ext cx="1660966" cy="5880"/>
+                <a:off x="6870099" y="1130578"/>
+                <a:ext cx="1044155" cy="523220"/>
               </a:xfrm>
-              <a:prstGeom prst="line">
+              <a:prstGeom prst="rect">
                 <a:avLst/>
               </a:prstGeom>
-              <a:ln w="19050">
-                <a:solidFill>
-                  <a:schemeClr val="tx1"/>
-                </a:solidFill>
-              </a:ln>
+              <a:noFill/>
             </p:spPr>
-            <p:style>
-              <a:lnRef idx="1">
-                <a:schemeClr val="accent1"/>
-              </a:lnRef>
-              <a:fillRef idx="0">
-                <a:schemeClr val="accent1"/>
-              </a:fillRef>
-              <a:effectRef idx="0">
-                <a:schemeClr val="accent1"/>
-              </a:effectRef>
-              <a:fontRef idx="minor">
-                <a:schemeClr val="tx1"/>
-              </a:fontRef>
-            </p:style>
-          </p:cxnSp>
-          <p:cxnSp>
-            <p:nvCxnSpPr>
-              <p:cNvPr id="16" name="Connecteur droit 15">
-                <a:extLst>
-                  <a:ext uri="{FF2B5EF4-FFF2-40B4-BE49-F238E27FC236}">
-                    <a16:creationId xmlns:a16="http://schemas.microsoft.com/office/drawing/2014/main" id="{D9444DE2-84DD-45EF-AE2A-A19F21EA2785}"/>
-                  </a:ext>
-                </a:extLst>
-              </p:cNvPr>
-              <p:cNvCxnSpPr>
-                <a:cxnSpLocks/>
-              </p:cNvCxnSpPr>
-              <p:nvPr/>
-            </p:nvCxnSpPr>
-            <p:spPr>
-              <a:xfrm>
-                <a:off x="9482558" y="3452194"/>
-                <a:ext cx="0" cy="491971"/>
-              </a:xfrm>
-              <a:prstGeom prst="line">
-                <a:avLst/>
-              </a:prstGeom>
-              <a:ln w="19050">
-                <a:solidFill>
-                  <a:schemeClr val="tx1"/>
-                </a:solidFill>
-              </a:ln>
-            </p:spPr>
-            <p:style>
-              <a:lnRef idx="1">
-                <a:schemeClr val="accent1"/>
-              </a:lnRef>
-              <a:fillRef idx="0">
-                <a:schemeClr val="accent1"/>
-              </a:fillRef>
-              <a:effectRef idx="0">
-                <a:schemeClr val="accent1"/>
-              </a:effectRef>
-              <a:fontRef idx="minor">
-                <a:schemeClr val="tx1"/>
-              </a:fontRef>
-            </p:style>
-          </p:cxnSp>
+            <p:txBody>
+              <a:bodyPr wrap="square" rtlCol="0">
+                <a:spAutoFit/>
+              </a:bodyPr>
+              <a:lstStyle/>
+              <a:p>
+                <a:r>
+                  <a:rPr lang="fr-FR" sz="2800" i="1" dirty="0"/>
+                  <a:t>P =0.58</a:t>
+                </a:r>
+                <a:endParaRPr lang="fr-FR" sz="2800" dirty="0"/>
+              </a:p>
+            </p:txBody>
+          </p:sp>
         </p:grpSp>
         <p:sp>
           <p:nvSpPr>
-            <p:cNvPr id="24" name="ZoneTexte 23">
+            <p:cNvPr id="29" name="Rectangle 28">
               <a:extLst>
                 <a:ext uri="{FF2B5EF4-FFF2-40B4-BE49-F238E27FC236}">
-                  <a16:creationId xmlns:a16="http://schemas.microsoft.com/office/drawing/2014/main" id="{E8D22DC5-F479-4742-AD68-BB6D010EBCC4}"/>
+                  <a16:creationId xmlns:a16="http://schemas.microsoft.com/office/drawing/2014/main" id="{EB2CB681-90FD-47A1-B031-66091AAFB2D8}"/>
                 </a:ext>
               </a:extLst>
             </p:cNvPr>
-            <p:cNvSpPr txBox="1"/>
+            <p:cNvSpPr/>
             <p:nvPr/>
           </p:nvSpPr>
           <p:spPr>
             <a:xfrm>
-              <a:off x="6997062" y="1247352"/>
-              <a:ext cx="1044155" cy="707886"/>
+              <a:off x="376518" y="442259"/>
+              <a:ext cx="11618258" cy="6179670"/>
             </a:xfrm>
             <a:prstGeom prst="rect">
               <a:avLst/>
             </a:prstGeom>
             <a:noFill/>
+            <a:ln>
+              <a:noFill/>
+            </a:ln>
           </p:spPr>
+          <p:style>
+            <a:lnRef idx="2">
+              <a:schemeClr val="accent1">
+                <a:shade val="50000"/>
+              </a:schemeClr>
+            </a:lnRef>
+            <a:fillRef idx="1">
+              <a:schemeClr val="accent1"/>
+            </a:fillRef>
+            <a:effectRef idx="0">
+              <a:schemeClr val="accent1"/>
+            </a:effectRef>
+            <a:fontRef idx="minor">
+              <a:schemeClr val="lt1"/>
+            </a:fontRef>
+          </p:style>
           <p:txBody>
-            <a:bodyPr wrap="square" rtlCol="0">
-              <a:spAutoFit/>
-            </a:bodyPr>
+            <a:bodyPr rtlCol="0" anchor="ctr"/>
             <a:lstStyle/>
             <a:p>
-              <a:r>
-                <a:rPr lang="fr-FR" sz="2000" i="1" dirty="0"/>
-                <a:t>P =0.58</a:t>
-              </a:r>
-              <a:endParaRPr lang="fr-FR" sz="2000" dirty="0"/>
+              <a:pPr algn="ctr"/>
+              <a:endParaRPr lang="fr-FR"/>
             </a:p>
           </p:txBody>
         </p:sp>
       </p:grpSp>
-      <p:sp>
-        <p:nvSpPr>
-          <p:cNvPr id="29" name="Rectangle 28">
-            <a:extLst>
-              <a:ext uri="{FF2B5EF4-FFF2-40B4-BE49-F238E27FC236}">
-                <a16:creationId xmlns:a16="http://schemas.microsoft.com/office/drawing/2014/main" id="{EB2CB681-90FD-47A1-B031-66091AAFB2D8}"/>
-              </a:ext>
-            </a:extLst>
-          </p:cNvPr>
-          <p:cNvSpPr/>
-          <p:nvPr/>
-        </p:nvSpPr>
-        <p:spPr>
-          <a:xfrm>
-            <a:off x="376518" y="442259"/>
-            <a:ext cx="11618258" cy="6179670"/>
-          </a:xfrm>
-          <a:prstGeom prst="rect">
-            <a:avLst/>
-          </a:prstGeom>
-          <a:noFill/>
-          <a:ln>
-            <a:solidFill>
-              <a:schemeClr val="tx1"/>
-            </a:solidFill>
-          </a:ln>
-        </p:spPr>
-        <p:style>
-          <a:lnRef idx="2">
-            <a:schemeClr val="accent1">
-              <a:shade val="50000"/>
-            </a:schemeClr>
-          </a:lnRef>
-          <a:fillRef idx="1">
-            <a:schemeClr val="accent1"/>
-          </a:fillRef>
-          <a:effectRef idx="0">
-            <a:schemeClr val="accent1"/>
-          </a:effectRef>
-          <a:fontRef idx="minor">
-            <a:schemeClr val="lt1"/>
-          </a:fontRef>
-        </p:style>
-        <p:txBody>
-          <a:bodyPr rtlCol="0" anchor="ctr"/>
-          <a:lstStyle/>
-          <a:p>
-            <a:pPr algn="ctr"/>
-            <a:endParaRPr lang="fr-FR"/>
-          </a:p>
-        </p:txBody>
-      </p:sp>
     </p:spTree>
     <p:extLst>
       <p:ext uri="{BB962C8B-B14F-4D97-AF65-F5344CB8AC3E}">
